--- a/Classes/MenuA_Data Availability and Management .pptx
+++ b/Classes/MenuA_Data Availability and Management .pptx
@@ -5989,7 +5989,7 @@
         </p:blipFill>
         <p:spPr>
           <a:xfrm>
-            <a:off x="-60559" y="2454966"/>
+            <a:off x="0" y="2454966"/>
             <a:ext cx="5388014" cy="3220278"/>
           </a:xfrm>
           <a:prstGeom prst="rect">
